--- a/lessons_I/9-11/les_9/les_9_class_3.pptx
+++ b/lessons_I/9-11/les_9/les_9_class_3.pptx
@@ -256,8 +256,11 @@
     </a:lvl9pPr>
   </p:defaultTextStyle>
   <p:extLst>
+    <p:ext uri="{EFAFB233-063F-42B5-8137-9DF3F51BA10A}">
+      <p15:sldGuideLst xmlns:p15="http://schemas.microsoft.com/office/powerpoint/2012/main"/>
+    </p:ext>
     <p:ext uri="http://customooxmlschemas.google.com/">
-      <go:slidesCustomData xmlns:go="http://customooxmlschemas.google.com/" xmlns:p15="http://schemas.microsoft.com/office/powerpoint/2012/main" xmlns:p14="http://schemas.microsoft.com/office/powerpoint/2010/main" xmlns:com="http://schemas.openxmlformats.org/drawingml/2006/compatibility" xmlns:pvml="urn:schemas-microsoft-com:office:powerpoint" xmlns:v="urn:schemas-microsoft-com:vml" xmlns:o="urn:schemas-microsoft-com:office:office" xmlns:dgm="http://schemas.openxmlformats.org/drawingml/2006/diagram" xmlns:c="http://schemas.openxmlformats.org/drawingml/2006/chart" xmlns:mv="urn:schemas-microsoft-com:mac:vml" xmlns:mc="http://schemas.openxmlformats.org/markup-compatibility/2006" xmlns="" r:id="rId22" roundtripDataSignature="AMtx7miJZ8d7MeBljivhMxBXvTK3lNZ+mg=="/>
+      <go:slidesCustomData xmlns="" xmlns:mc="http://schemas.openxmlformats.org/markup-compatibility/2006" xmlns:mv="urn:schemas-microsoft-com:mac:vml" xmlns:c="http://schemas.openxmlformats.org/drawingml/2006/chart" xmlns:dgm="http://schemas.openxmlformats.org/drawingml/2006/diagram" xmlns:o="urn:schemas-microsoft-com:office:office" xmlns:v="urn:schemas-microsoft-com:vml" xmlns:pvml="urn:schemas-microsoft-com:office:powerpoint" xmlns:com="http://schemas.openxmlformats.org/drawingml/2006/compatibility" xmlns:p14="http://schemas.microsoft.com/office/powerpoint/2010/main" xmlns:p15="http://schemas.microsoft.com/office/powerpoint/2012/main" xmlns:go="http://customooxmlschemas.google.com/" r:id="rId22" roundtripDataSignature="AMtx7miJZ8d7MeBljivhMxBXvTK3lNZ+mg=="/>
     </p:ext>
   </p:extLst>
 </p:presentation>
@@ -279,7 +282,7 @@
         <p15:threadingInfo xmlns:p15="http://schemas.microsoft.com/office/powerpoint/2012/main" timeZoneBias="0"/>
       </p:ext>
       <p:ext uri="http://customooxmlschemas.google.com/">
-        <go:slidesCustomData xmlns:go="http://customooxmlschemas.google.com/" xmlns:p15="http://schemas.microsoft.com/office/powerpoint/2012/main" xmlns:p14="http://schemas.microsoft.com/office/powerpoint/2010/main" xmlns:com="http://schemas.openxmlformats.org/drawingml/2006/compatibility" xmlns:pvml="urn:schemas-microsoft-com:office:powerpoint" xmlns:v="urn:schemas-microsoft-com:vml" xmlns:o="urn:schemas-microsoft-com:office:office" xmlns:dgm="http://schemas.openxmlformats.org/drawingml/2006/diagram" xmlns:c="http://schemas.openxmlformats.org/drawingml/2006/chart" xmlns:mv="urn:schemas-microsoft-com:mac:vml" xmlns:mc="http://schemas.openxmlformats.org/markup-compatibility/2006" xmlns="" commentPostId="AAAADtNNkeI"/>
+        <go:slidesCustomData xmlns="" xmlns:mc="http://schemas.openxmlformats.org/markup-compatibility/2006" xmlns:mv="urn:schemas-microsoft-com:mac:vml" xmlns:c="http://schemas.openxmlformats.org/drawingml/2006/chart" xmlns:dgm="http://schemas.openxmlformats.org/drawingml/2006/diagram" xmlns:o="urn:schemas-microsoft-com:office:office" xmlns:v="urn:schemas-microsoft-com:vml" xmlns:pvml="urn:schemas-microsoft-com:office:powerpoint" xmlns:com="http://schemas.openxmlformats.org/drawingml/2006/compatibility" xmlns:p14="http://schemas.microsoft.com/office/powerpoint/2010/main" xmlns:p15="http://schemas.microsoft.com/office/powerpoint/2012/main" xmlns:go="http://customooxmlschemas.google.com/" commentPostId="AAAADtNNkeI"/>
       </p:ext>
     </p:extLst>
   </p:cm>
@@ -19264,7 +19267,7 @@
               <a:buNone/>
             </a:pPr>
             <a:r>
-              <a:rPr lang="ru-RU" sz="1600" b="1" i="0" u="none" strike="noStrike" cap="none">
+              <a:rPr lang="ru-RU" sz="1600" b="1" i="0" u="none" strike="noStrike" cap="none" dirty="0">
                 <a:solidFill>
                   <a:schemeClr val="dk1"/>
                 </a:solidFill>
@@ -19275,7 +19278,7 @@
               </a:rPr>
               <a:t>Наследование </a:t>
             </a:r>
-            <a:endParaRPr/>
+            <a:endParaRPr dirty="0"/>
           </a:p>
           <a:p>
             <a:pPr marL="0" marR="0" lvl="0" indent="0" algn="l" rtl="0">
@@ -19291,7 +19294,7 @@
               <a:buNone/>
             </a:pPr>
             <a:r>
-              <a:rPr lang="ru-RU" sz="1600" b="0" i="0" u="none" strike="noStrike" cap="none">
+              <a:rPr lang="ru-RU" sz="1600" b="0" i="0" u="none" strike="noStrike" cap="none" dirty="0">
                 <a:solidFill>
                   <a:schemeClr val="dk1"/>
                 </a:solidFill>
@@ -19302,7 +19305,7 @@
               </a:rPr>
               <a:t> </a:t>
             </a:r>
-            <a:endParaRPr/>
+            <a:endParaRPr dirty="0"/>
           </a:p>
           <a:p>
             <a:pPr marL="0" marR="0" lvl="0" indent="0" algn="l" rtl="0">
@@ -19318,7 +19321,7 @@
               <a:buNone/>
             </a:pPr>
             <a:r>
-              <a:rPr lang="ru-RU" sz="1600" b="0" i="0" u="none" strike="noStrike" cap="none">
+              <a:rPr lang="ru-RU" sz="1600" b="0" i="0" u="none" strike="noStrike" cap="none" dirty="0">
                 <a:solidFill>
                   <a:schemeClr val="dk1"/>
                 </a:solidFill>
@@ -19329,7 +19332,7 @@
               </a:rPr>
               <a:t>При наследовании классов, конструктор и деструктор базового класса не наследуется. </a:t>
             </a:r>
-            <a:endParaRPr/>
+            <a:endParaRPr dirty="0"/>
           </a:p>
           <a:p>
             <a:pPr marL="0" marR="0" lvl="0" indent="0" algn="l" rtl="0">
@@ -19345,7 +19348,7 @@
               <a:buNone/>
             </a:pPr>
             <a:r>
-              <a:rPr lang="ru-RU" sz="1600" b="0" i="0" u="none" strike="noStrike" cap="none">
+              <a:rPr lang="ru-RU" sz="1600" b="0" i="0" u="none" strike="noStrike" cap="none" dirty="0">
                 <a:solidFill>
                   <a:schemeClr val="dk1"/>
                 </a:solidFill>
@@ -19356,7 +19359,7 @@
               </a:rPr>
               <a:t>Однако, они вызываются, когда создается или удаляется объект производного класса.</a:t>
             </a:r>
-            <a:endParaRPr sz="1600" b="0" i="0" u="none" strike="noStrike" cap="none">
+            <a:endParaRPr sz="1600" b="0" i="0" u="none" strike="noStrike" cap="none" dirty="0">
               <a:solidFill>
                 <a:schemeClr val="dk1"/>
               </a:solidFill>
@@ -19487,7 +19490,7 @@
               <a:buNone/>
             </a:pPr>
             <a:r>
-              <a:rPr lang="ru-RU" sz="1800" b="0" i="0" u="none" strike="noStrike" cap="none">
+              <a:rPr lang="ru-RU" sz="1800" b="0" i="0" u="none" strike="noStrike" cap="none" dirty="0">
                 <a:solidFill>
                   <a:schemeClr val="dk1"/>
                 </a:solidFill>
@@ -19498,7 +19501,7 @@
               </a:rPr>
               <a:t>Конструктор базового класса вызывается первым. </a:t>
             </a:r>
-            <a:endParaRPr/>
+            <a:endParaRPr dirty="0"/>
           </a:p>
         </p:txBody>
       </p:sp>
@@ -19527,20 +19530,9 @@
           </a:bodyPr>
           <a:lstStyle/>
           <a:p>
-            <a:pPr marL="0" marR="0" lvl="0" indent="0" algn="l" rtl="0">
-              <a:lnSpc>
-                <a:spcPct val="100000"/>
-              </a:lnSpc>
-              <a:spcBef>
-                <a:spcPts val="0"/>
-              </a:spcBef>
-              <a:spcAft>
-                <a:spcPts val="0"/>
-              </a:spcAft>
-              <a:buNone/>
-            </a:pPr>
+            <a:pPr lvl="0"/>
             <a:r>
-              <a:rPr lang="ru-RU" sz="1800" b="0" i="0" u="none" strike="noStrike" cap="none">
+              <a:rPr lang="ru-RU" sz="1800" dirty="0">
                 <a:solidFill>
                   <a:schemeClr val="dk1"/>
                 </a:solidFill>
@@ -19551,7 +19543,7 @@
               </a:rPr>
               <a:t>Деструктор производного класса будет вызван первым, затем будет вызван деструктор базового класса.</a:t>
             </a:r>
-            <a:endParaRPr sz="1800" b="0" i="0" u="none" strike="noStrike" cap="none">
+            <a:endParaRPr lang="ru-RU" sz="1800" dirty="0">
               <a:solidFill>
                 <a:schemeClr val="dk1"/>
               </a:solidFill>
@@ -20894,20 +20886,9 @@
           </a:bodyPr>
           <a:lstStyle/>
           <a:p>
-            <a:pPr marL="0" marR="0" lvl="0" indent="0" algn="l" rtl="0">
-              <a:lnSpc>
-                <a:spcPct val="100000"/>
-              </a:lnSpc>
-              <a:spcBef>
-                <a:spcPts val="0"/>
-              </a:spcBef>
-              <a:spcAft>
-                <a:spcPts val="0"/>
-              </a:spcAft>
-              <a:buNone/>
-            </a:pPr>
+            <a:pPr lvl="0"/>
             <a:r>
-              <a:rPr lang="ru-RU" sz="1600" b="0" i="0" u="none" strike="noStrike" cap="none">
+              <a:rPr lang="ru-RU" sz="1600" dirty="0">
                 <a:solidFill>
                   <a:schemeClr val="dk1"/>
                 </a:solidFill>
@@ -20918,23 +20899,12 @@
               </a:rPr>
               <a:t>Мы получили бы такой же результат, если бы вызвали эти функции прямо из объектов. Однако, быстрее и намного эффективнее использовать указатели.  </a:t>
             </a:r>
-            <a:endParaRPr/>
+            <a:endParaRPr lang="ru-RU" sz="1600" dirty="0"/>
           </a:p>
           <a:p>
-            <a:pPr marL="0" marR="0" lvl="0" indent="0" algn="l" rtl="0">
-              <a:lnSpc>
-                <a:spcPct val="100000"/>
-              </a:lnSpc>
-              <a:spcBef>
-                <a:spcPts val="0"/>
-              </a:spcBef>
-              <a:spcAft>
-                <a:spcPts val="0"/>
-              </a:spcAft>
-              <a:buNone/>
-            </a:pPr>
+            <a:pPr lvl="0"/>
             <a:r>
-              <a:rPr lang="ru-RU" sz="1600" b="0" i="0" u="none" strike="noStrike" cap="none">
+              <a:rPr lang="ru-RU" sz="1600" dirty="0">
                 <a:solidFill>
                   <a:schemeClr val="dk1"/>
                 </a:solidFill>
@@ -20943,9 +20913,33 @@
                 <a:cs typeface="Calibri"/>
                 <a:sym typeface="Calibri"/>
               </a:rPr>
-              <a:t>Также, указатели демонстрируют, что вы можете использовать указатель Enemy не зная точно, что он содержит объект подкласса.</a:t>
+              <a:t>Также, указатели демонстрируют, что вы можете использовать указатель </a:t>
             </a:r>
-            <a:endParaRPr/>
+            <a:r>
+              <a:rPr lang="ru-RU" sz="1600" dirty="0" err="1">
+                <a:solidFill>
+                  <a:schemeClr val="dk1"/>
+                </a:solidFill>
+                <a:latin typeface="Calibri"/>
+                <a:ea typeface="Calibri"/>
+                <a:cs typeface="Calibri"/>
+                <a:sym typeface="Calibri"/>
+              </a:rPr>
+              <a:t>Enemy</a:t>
+            </a:r>
+            <a:r>
+              <a:rPr lang="ru-RU" sz="1600" dirty="0">
+                <a:solidFill>
+                  <a:schemeClr val="dk1"/>
+                </a:solidFill>
+                <a:latin typeface="Calibri"/>
+                <a:ea typeface="Calibri"/>
+                <a:cs typeface="Calibri"/>
+                <a:sym typeface="Calibri"/>
+              </a:rPr>
+              <a:t> не зная точно, что он содержит объект подкласса.</a:t>
+            </a:r>
+            <a:endParaRPr lang="ru-RU" sz="1600" dirty="0"/>
           </a:p>
         </p:txBody>
       </p:sp>
@@ -23785,7 +23779,7 @@
               <a:buNone/>
             </a:pPr>
             <a:r>
-              <a:rPr lang="ru-RU" sz="1800" b="1" i="0" u="none" strike="noStrike" cap="none">
+              <a:rPr lang="ru-RU" sz="1800" b="1" i="0" u="none" strike="noStrike" cap="none" dirty="0">
                 <a:solidFill>
                   <a:srgbClr val="000000"/>
                 </a:solidFill>
@@ -23794,9 +23788,35 @@
                 <a:cs typeface="Calibri"/>
                 <a:sym typeface="Calibri"/>
               </a:rPr>
-              <a:t>Тема: Наследование в С++. Композиция объектов.</a:t>
+              <a:t>Тема: Наследование в С</a:t>
             </a:r>
-            <a:endParaRPr sz="1800" b="0" i="0" u="none" strike="noStrike" cap="none">
+            <a:r>
+              <a:rPr lang="ru-RU" sz="1800" b="1" i="0" u="none" strike="noStrike" cap="none" dirty="0" smtClean="0">
+                <a:solidFill>
+                  <a:srgbClr val="000000"/>
+                </a:solidFill>
+                <a:latin typeface="Calibri"/>
+                <a:ea typeface="Calibri"/>
+                <a:cs typeface="Calibri"/>
+                <a:sym typeface="Calibri"/>
+              </a:rPr>
+              <a:t>++.</a:t>
+            </a:r>
+          </a:p>
+          <a:p>
+            <a:pPr marL="0" marR="0" lvl="0" indent="0" algn="l" rtl="0">
+              <a:lnSpc>
+                <a:spcPct val="100000"/>
+              </a:lnSpc>
+              <a:spcBef>
+                <a:spcPts val="0"/>
+              </a:spcBef>
+              <a:spcAft>
+                <a:spcPts val="0"/>
+              </a:spcAft>
+              <a:buNone/>
+            </a:pPr>
+            <a:endParaRPr sz="1800" b="0" i="0" u="none" strike="noStrike" cap="none" dirty="0">
               <a:solidFill>
                 <a:schemeClr val="dk1"/>
               </a:solidFill>
@@ -23819,31 +23839,8 @@
               </a:spcAft>
               <a:buNone/>
             </a:pPr>
-            <a:endParaRPr sz="1800" b="0" i="0" u="none" strike="noStrike" cap="none">
-              <a:solidFill>
-                <a:schemeClr val="dk1"/>
-              </a:solidFill>
-              <a:latin typeface="Arial"/>
-              <a:ea typeface="Arial"/>
-              <a:cs typeface="Arial"/>
-              <a:sym typeface="Arial"/>
-            </a:endParaRPr>
-          </a:p>
-          <a:p>
-            <a:pPr marL="0" marR="0" lvl="0" indent="0" algn="l" rtl="0">
-              <a:lnSpc>
-                <a:spcPct val="100000"/>
-              </a:lnSpc>
-              <a:spcBef>
-                <a:spcPts val="0"/>
-              </a:spcBef>
-              <a:spcAft>
-                <a:spcPts val="0"/>
-              </a:spcAft>
-              <a:buNone/>
-            </a:pPr>
             <a:r>
-              <a:rPr lang="ru-RU" sz="1600" b="1" i="0" u="none" strike="noStrike" cap="none">
+              <a:rPr lang="ru-RU" sz="1600" b="1" i="0" u="none" strike="noStrike" cap="none" dirty="0">
                 <a:solidFill>
                   <a:srgbClr val="000000"/>
                 </a:solidFill>
@@ -23854,7 +23851,7 @@
               </a:rPr>
               <a:t>Цели и задачи:</a:t>
             </a:r>
-            <a:endParaRPr sz="1600" b="0" i="0" u="none" strike="noStrike" cap="none">
+            <a:endParaRPr sz="1600" b="0" i="0" u="none" strike="noStrike" cap="none" dirty="0">
               <a:solidFill>
                 <a:schemeClr val="dk1"/>
               </a:solidFill>
@@ -23877,7 +23874,7 @@
               </a:spcAft>
               <a:buNone/>
             </a:pPr>
-            <a:endParaRPr sz="1600" b="0" i="0" u="none" strike="noStrike" cap="none">
+            <a:endParaRPr sz="1600" b="0" i="0" u="none" strike="noStrike" cap="none" dirty="0">
               <a:solidFill>
                 <a:schemeClr val="dk1"/>
               </a:solidFill>
@@ -23906,7 +23903,7 @@
               <a:buChar char="•"/>
             </a:pPr>
             <a:r>
-              <a:rPr lang="ru-RU" sz="1400" b="0" i="0" u="none" strike="noStrike" cap="none">
+              <a:rPr lang="ru-RU" sz="1400" b="0" i="0" u="none" strike="noStrike" cap="none" dirty="0">
                 <a:solidFill>
                   <a:srgbClr val="000000"/>
                 </a:solidFill>
@@ -23917,7 +23914,7 @@
               </a:rPr>
               <a:t> Рассказать о принципе наследования</a:t>
             </a:r>
-            <a:endParaRPr sz="1400" b="0" i="0" u="none" strike="noStrike" cap="none">
+            <a:endParaRPr sz="1400" b="0" i="0" u="none" strike="noStrike" cap="none" dirty="0">
               <a:solidFill>
                 <a:schemeClr val="dk1"/>
               </a:solidFill>
@@ -23943,7 +23940,7 @@
               <a:buChar char="●"/>
             </a:pPr>
             <a:r>
-              <a:rPr lang="ru-RU" sz="1400" b="0" i="0" u="none" strike="noStrike" cap="none">
+              <a:rPr lang="ru-RU" sz="1400" b="0" i="0" u="none" strike="noStrike" cap="none" dirty="0">
                 <a:solidFill>
                   <a:srgbClr val="000000"/>
                 </a:solidFill>
@@ -23954,7 +23951,7 @@
               </a:rPr>
               <a:t>Рассказать о модификаторах доступа в случае наследования от родительского класса</a:t>
             </a:r>
-            <a:endParaRPr sz="1400" b="0" i="0" u="none" strike="noStrike" cap="none">
+            <a:endParaRPr sz="1400" b="0" i="0" u="none" strike="noStrike" cap="none" dirty="0">
               <a:solidFill>
                 <a:schemeClr val="dk1"/>
               </a:solidFill>
@@ -23978,7 +23975,7 @@
               <a:buNone/>
             </a:pPr>
             <a:r>
-              <a:rPr lang="ru-RU" sz="1800" b="0" i="0" u="none" strike="noStrike" cap="none">
+              <a:rPr lang="ru-RU" sz="1800" b="0" i="0" u="none" strike="noStrike" cap="none" dirty="0">
                 <a:solidFill>
                   <a:schemeClr val="dk1"/>
                 </a:solidFill>
@@ -23990,7 +23987,7 @@
               <a:t/>
             </a:r>
             <a:br>
-              <a:rPr lang="ru-RU" sz="1800" b="0" i="0" u="none" strike="noStrike" cap="none">
+              <a:rPr lang="ru-RU" sz="1800" b="0" i="0" u="none" strike="noStrike" cap="none" dirty="0">
                 <a:solidFill>
                   <a:schemeClr val="dk1"/>
                 </a:solidFill>
@@ -24001,7 +23998,7 @@
               </a:rPr>
             </a:br>
             <a:r>
-              <a:rPr lang="ru-RU" sz="1600" b="1" i="0" u="none" strike="noStrike" cap="none">
+              <a:rPr lang="ru-RU" sz="1600" b="1" i="0" u="none" strike="noStrike" cap="none" dirty="0">
                 <a:solidFill>
                   <a:srgbClr val="000000"/>
                 </a:solidFill>
@@ -24012,7 +24009,7 @@
               </a:rPr>
               <a:t>По результатам занятия слушатель будет знать: </a:t>
             </a:r>
-            <a:endParaRPr sz="1600" b="0" i="0" u="none" strike="noStrike" cap="none">
+            <a:endParaRPr sz="1600" b="0" i="0" u="none" strike="noStrike" cap="none" dirty="0">
               <a:solidFill>
                 <a:schemeClr val="dk1"/>
               </a:solidFill>
@@ -24035,7 +24032,7 @@
               </a:spcAft>
               <a:buNone/>
             </a:pPr>
-            <a:endParaRPr sz="1600" b="0" i="0" u="none" strike="noStrike" cap="none">
+            <a:endParaRPr sz="1600" b="0" i="0" u="none" strike="noStrike" cap="none" dirty="0">
               <a:solidFill>
                 <a:schemeClr val="dk1"/>
               </a:solidFill>
@@ -24064,7 +24061,7 @@
               <a:buChar char="•"/>
             </a:pPr>
             <a:r>
-              <a:rPr lang="ru-RU" sz="1400" b="0" i="0" u="none" strike="noStrike" cap="none">
+              <a:rPr lang="ru-RU" sz="1400" b="0" i="0" u="none" strike="noStrike" cap="none" dirty="0">
                 <a:solidFill>
                   <a:srgbClr val="000000"/>
                 </a:solidFill>
@@ -24075,7 +24072,7 @@
               </a:rPr>
               <a:t>Принцип наследования в ООП</a:t>
             </a:r>
-            <a:endParaRPr/>
+            <a:endParaRPr dirty="0"/>
           </a:p>
           <a:p>
             <a:pPr marL="171360" marR="0" lvl="0" indent="-169920" algn="l" rtl="0">
@@ -24096,7 +24093,7 @@
               <a:buChar char="•"/>
             </a:pPr>
             <a:r>
-              <a:rPr lang="ru-RU" sz="1400" b="0" i="0" u="none" strike="noStrike" cap="none">
+              <a:rPr lang="ru-RU" sz="1400" b="0" i="0" u="none" strike="noStrike" cap="none" dirty="0">
                 <a:solidFill>
                   <a:srgbClr val="000000"/>
                 </a:solidFill>
@@ -24107,7 +24104,7 @@
               </a:rPr>
               <a:t>Как использовать полиморфизм для взаимодействия объектов класса между собой и не только</a:t>
             </a:r>
-            <a:endParaRPr sz="1400" b="0" i="0" u="none" strike="noStrike" cap="none">
+            <a:endParaRPr sz="1400" b="0" i="0" u="none" strike="noStrike" cap="none" dirty="0">
               <a:solidFill>
                 <a:schemeClr val="dk1"/>
               </a:solidFill>
@@ -28001,7 +27998,7 @@
         <p:spPr>
           <a:xfrm>
             <a:off x="323650" y="1714200"/>
-            <a:ext cx="6224700" cy="4778700"/>
+            <a:ext cx="6370652" cy="4778700"/>
           </a:xfrm>
           <a:prstGeom prst="rect">
             <a:avLst/>
@@ -28030,7 +28027,7 @@
               <a:buNone/>
             </a:pPr>
             <a:r>
-              <a:rPr lang="ru-RU" sz="1800" b="1" i="0" u="none" strike="noStrike" cap="none">
+              <a:rPr lang="ru-RU" sz="1800" b="1" i="0" u="none" strike="noStrike" cap="none" dirty="0">
                 <a:solidFill>
                   <a:schemeClr val="dk1"/>
                 </a:solidFill>
@@ -28041,7 +28038,7 @@
               </a:rPr>
               <a:t>Наследование </a:t>
             </a:r>
-            <a:endParaRPr/>
+            <a:endParaRPr dirty="0"/>
           </a:p>
           <a:p>
             <a:pPr marL="0" marR="0" lvl="0" indent="0" algn="l" rtl="0">
@@ -28057,7 +28054,7 @@
               <a:buNone/>
             </a:pPr>
             <a:r>
-              <a:rPr lang="ru-RU" sz="1800" b="0" i="0" u="none" strike="noStrike" cap="none">
+              <a:rPr lang="ru-RU" sz="1800" b="0" i="0" u="none" strike="noStrike" cap="none" dirty="0">
                 <a:solidFill>
                   <a:schemeClr val="dk1"/>
                 </a:solidFill>
@@ -28068,7 +28065,7 @@
               </a:rPr>
               <a:t> </a:t>
             </a:r>
-            <a:endParaRPr/>
+            <a:endParaRPr dirty="0"/>
           </a:p>
           <a:p>
             <a:pPr marL="0" marR="0" lvl="0" indent="0" algn="l" rtl="0">
@@ -28084,7 +28081,7 @@
               <a:buNone/>
             </a:pPr>
             <a:r>
-              <a:rPr lang="ru-RU" sz="1800" b="0" i="0" u="none" strike="noStrike" cap="none">
+              <a:rPr lang="ru-RU" sz="1800" b="0" i="0" u="none" strike="noStrike" cap="none" dirty="0">
                 <a:solidFill>
                   <a:schemeClr val="dk1"/>
                 </a:solidFill>
@@ -28095,7 +28092,7 @@
               </a:rPr>
               <a:t>Наследование является одной из наиболее важных концепций объектно-ориентированного программирования. </a:t>
             </a:r>
-            <a:endParaRPr/>
+            <a:endParaRPr dirty="0"/>
           </a:p>
           <a:p>
             <a:pPr marL="0" marR="0" lvl="0" indent="0" algn="l" rtl="0">
@@ -28111,7 +28108,7 @@
               <a:buNone/>
             </a:pPr>
             <a:r>
-              <a:rPr lang="ru-RU" sz="1800" b="0" i="0" u="none" strike="noStrike" cap="none">
+              <a:rPr lang="ru-RU" sz="1800" b="0" i="0" u="none" strike="noStrike" cap="none" dirty="0">
                 <a:solidFill>
                   <a:schemeClr val="dk1"/>
                 </a:solidFill>
@@ -28120,9 +28117,57 @@
                 <a:cs typeface="Calibri"/>
                 <a:sym typeface="Calibri"/>
               </a:rPr>
-              <a:t>Наследование позволяет нам определять класс, основанный на другом классе. Это облегчает удобство создания и управления приложением. Класс, чьи свойства наследованы другим классом, называется Базовым классом. Класс, который наследует свойства, называется Производным. Например, класс Daughter (производный) может быть наследован от класса Mother (базовый). </a:t>
+              <a:t>Наследование позволяет нам определять класс, основанный на другом классе. Это облегчает удобство создания и управления приложением. Класс, чьи свойства наследованы другим классом, называется Базовым классом. Класс, который наследует свойства, называется Производным. Например, класс </a:t>
             </a:r>
-            <a:endParaRPr/>
+            <a:r>
+              <a:rPr lang="ru-RU" sz="1800" b="0" i="0" u="none" strike="noStrike" cap="none" dirty="0" err="1">
+                <a:solidFill>
+                  <a:schemeClr val="dk1"/>
+                </a:solidFill>
+                <a:latin typeface="Calibri"/>
+                <a:ea typeface="Calibri"/>
+                <a:cs typeface="Calibri"/>
+                <a:sym typeface="Calibri"/>
+              </a:rPr>
+              <a:t>Daughter</a:t>
+            </a:r>
+            <a:r>
+              <a:rPr lang="ru-RU" sz="1800" b="0" i="0" u="none" strike="noStrike" cap="none" dirty="0">
+                <a:solidFill>
+                  <a:schemeClr val="dk1"/>
+                </a:solidFill>
+                <a:latin typeface="Calibri"/>
+                <a:ea typeface="Calibri"/>
+                <a:cs typeface="Calibri"/>
+                <a:sym typeface="Calibri"/>
+              </a:rPr>
+              <a:t> (производный) может быть наследован от класса </a:t>
+            </a:r>
+            <a:r>
+              <a:rPr lang="ru-RU" sz="1800" b="0" i="0" u="none" strike="noStrike" cap="none" dirty="0" err="1">
+                <a:solidFill>
+                  <a:schemeClr val="dk1"/>
+                </a:solidFill>
+                <a:latin typeface="Calibri"/>
+                <a:ea typeface="Calibri"/>
+                <a:cs typeface="Calibri"/>
+                <a:sym typeface="Calibri"/>
+              </a:rPr>
+              <a:t>Mother</a:t>
+            </a:r>
+            <a:r>
+              <a:rPr lang="ru-RU" sz="1800" b="0" i="0" u="none" strike="noStrike" cap="none" dirty="0">
+                <a:solidFill>
+                  <a:schemeClr val="dk1"/>
+                </a:solidFill>
+                <a:latin typeface="Calibri"/>
+                <a:ea typeface="Calibri"/>
+                <a:cs typeface="Calibri"/>
+                <a:sym typeface="Calibri"/>
+              </a:rPr>
+              <a:t> (базовый). </a:t>
+            </a:r>
+            <a:endParaRPr dirty="0"/>
           </a:p>
           <a:p>
             <a:pPr marL="0" marR="0" lvl="0" indent="0" algn="l" rtl="0">
@@ -28138,7 +28183,7 @@
               <a:buNone/>
             </a:pPr>
             <a:r>
-              <a:rPr lang="ru-RU" sz="1800" b="0" i="0" u="none" strike="noStrike" cap="none">
+              <a:rPr lang="ru-RU" sz="1800" b="0" i="0" u="none" strike="noStrike" cap="none" dirty="0">
                 <a:solidFill>
                   <a:schemeClr val="dk1"/>
                 </a:solidFill>
@@ -28149,7 +28194,7 @@
               </a:rPr>
               <a:t>Производный класс наследует все особенности базового класса, и может иметь свои дополнительные особенности.</a:t>
             </a:r>
-            <a:endParaRPr sz="1800" b="0" i="0" u="none" strike="noStrike" cap="none">
+            <a:endParaRPr sz="1800" b="0" i="0" u="none" strike="noStrike" cap="none" dirty="0">
               <a:solidFill>
                 <a:schemeClr val="dk1"/>
               </a:solidFill>
@@ -28172,7 +28217,7 @@
               </a:spcAft>
               <a:buNone/>
             </a:pPr>
-            <a:endParaRPr sz="1800" b="0" i="0" u="none" strike="noStrike" cap="none">
+            <a:endParaRPr sz="1800" b="0" i="0" u="none" strike="noStrike" cap="none" dirty="0">
               <a:solidFill>
                 <a:schemeClr val="dk1"/>
               </a:solidFill>
@@ -28196,7 +28241,7 @@
               <a:buNone/>
             </a:pPr>
             <a:r>
-              <a:rPr lang="ru-RU" sz="1800" b="0" i="0" u="none" strike="noStrike" cap="none">
+              <a:rPr lang="ru-RU" sz="1800" b="0" i="0" u="none" strike="noStrike" cap="none" dirty="0">
                 <a:solidFill>
                   <a:schemeClr val="dk1"/>
                 </a:solidFill>
@@ -28205,9 +28250,33 @@
                 <a:cs typeface="Calibri"/>
                 <a:sym typeface="Calibri"/>
               </a:rPr>
-              <a:t>Идея наследования заключается в отношении это. Например, млекопитающее ЭТО животное, собака ЭТО млекопитающее, следовательно собака ЭТО также животное.</a:t>
+              <a:t>Идея наследования заключается в отношении это. Например, млекопитающее ЭТО животное, собака ЭТО млекопитающее, </a:t>
             </a:r>
-            <a:endParaRPr sz="1800" b="0" i="0" u="none" strike="noStrike" cap="none">
+            <a:r>
+              <a:rPr lang="ru-RU" sz="1800" b="0" i="0" u="none" strike="noStrike" cap="none" dirty="0" smtClean="0">
+                <a:solidFill>
+                  <a:schemeClr val="dk1"/>
+                </a:solidFill>
+                <a:latin typeface="Calibri"/>
+                <a:ea typeface="Calibri"/>
+                <a:cs typeface="Calibri"/>
+                <a:sym typeface="Calibri"/>
+              </a:rPr>
+              <a:t>следовательно, </a:t>
+            </a:r>
+            <a:r>
+              <a:rPr lang="ru-RU" sz="1800" b="0" i="0" u="none" strike="noStrike" cap="none" dirty="0">
+                <a:solidFill>
+                  <a:schemeClr val="dk1"/>
+                </a:solidFill>
+                <a:latin typeface="Calibri"/>
+                <a:ea typeface="Calibri"/>
+                <a:cs typeface="Calibri"/>
+                <a:sym typeface="Calibri"/>
+              </a:rPr>
+              <a:t>собака ЭТО также животное.</a:t>
+            </a:r>
+            <a:endParaRPr sz="1800" b="0" i="0" u="none" strike="noStrike" cap="none" dirty="0">
               <a:solidFill>
                 <a:schemeClr val="dk1"/>
               </a:solidFill>
@@ -28998,7 +29067,7 @@
               <a:buNone/>
             </a:pPr>
             <a:r>
-              <a:rPr lang="ru-RU" sz="1800" b="0" i="0" u="none" strike="noStrike" cap="none">
+              <a:rPr lang="ru-RU" sz="1800" b="0" i="0" u="none" strike="noStrike" cap="none" dirty="0">
                 <a:solidFill>
                   <a:schemeClr val="dk1"/>
                 </a:solidFill>
@@ -29007,9 +29076,33 @@
                 <a:cs typeface="Calibri"/>
                 <a:sym typeface="Calibri"/>
               </a:rPr>
-              <a:t>Базовый класс указывается с помощью использования двоеточия и спецификатора доступа: public означает, что все публичные элементы базового класса являются публичными в производном классе.</a:t>
+              <a:t>Базовый класс указывается с помощью использования двоеточия и спецификатора доступа: </a:t>
             </a:r>
-            <a:endParaRPr sz="1800" b="0" i="0" u="none" strike="noStrike" cap="none">
+            <a:r>
+              <a:rPr lang="ru-RU" sz="1800" b="0" i="0" u="none" strike="noStrike" cap="none" dirty="0" err="1">
+                <a:solidFill>
+                  <a:schemeClr val="dk1"/>
+                </a:solidFill>
+                <a:latin typeface="Calibri"/>
+                <a:ea typeface="Calibri"/>
+                <a:cs typeface="Calibri"/>
+                <a:sym typeface="Calibri"/>
+              </a:rPr>
+              <a:t>public</a:t>
+            </a:r>
+            <a:r>
+              <a:rPr lang="ru-RU" sz="1800" b="0" i="0" u="none" strike="noStrike" cap="none" dirty="0">
+                <a:solidFill>
+                  <a:schemeClr val="dk1"/>
+                </a:solidFill>
+                <a:latin typeface="Calibri"/>
+                <a:ea typeface="Calibri"/>
+                <a:cs typeface="Calibri"/>
+                <a:sym typeface="Calibri"/>
+              </a:rPr>
+              <a:t> означает, что все публичные элементы базового класса являются публичными в производном классе.</a:t>
+            </a:r>
+            <a:endParaRPr sz="1800" b="0" i="0" u="none" strike="noStrike" cap="none" dirty="0">
               <a:solidFill>
                 <a:schemeClr val="dk1"/>
               </a:solidFill>
@@ -29032,7 +29125,7 @@
               </a:spcAft>
               <a:buNone/>
             </a:pPr>
-            <a:endParaRPr sz="1800" b="0" i="0" u="none" strike="noStrike" cap="none">
+            <a:endParaRPr sz="1800" b="0" i="0" u="none" strike="noStrike" cap="none" dirty="0">
               <a:solidFill>
                 <a:schemeClr val="dk1"/>
               </a:solidFill>
@@ -29056,7 +29149,7 @@
               <a:buNone/>
             </a:pPr>
             <a:r>
-              <a:rPr lang="ru-RU" sz="1800" b="0" i="0" u="none" strike="noStrike" cap="none">
+              <a:rPr lang="ru-RU" sz="1800" b="0" i="0" u="none" strike="noStrike" cap="none" dirty="0">
                 <a:solidFill>
                   <a:schemeClr val="dk1"/>
                 </a:solidFill>
@@ -29065,9 +29158,57 @@
                 <a:cs typeface="Calibri"/>
                 <a:sym typeface="Calibri"/>
               </a:rPr>
-              <a:t>Другими словами, все публичные элементы класса Mother становятся публичными элементами класса Daughter. Производный класс наследует все базовые методы класса, кроме следующего: </a:t>
+              <a:t>Другими словами, все публичные элементы класса </a:t>
             </a:r>
-            <a:endParaRPr/>
+            <a:r>
+              <a:rPr lang="ru-RU" sz="1800" b="0" i="0" u="none" strike="noStrike" cap="none" dirty="0" err="1">
+                <a:solidFill>
+                  <a:schemeClr val="dk1"/>
+                </a:solidFill>
+                <a:latin typeface="Calibri"/>
+                <a:ea typeface="Calibri"/>
+                <a:cs typeface="Calibri"/>
+                <a:sym typeface="Calibri"/>
+              </a:rPr>
+              <a:t>Mother</a:t>
+            </a:r>
+            <a:r>
+              <a:rPr lang="ru-RU" sz="1800" b="0" i="0" u="none" strike="noStrike" cap="none" dirty="0">
+                <a:solidFill>
+                  <a:schemeClr val="dk1"/>
+                </a:solidFill>
+                <a:latin typeface="Calibri"/>
+                <a:ea typeface="Calibri"/>
+                <a:cs typeface="Calibri"/>
+                <a:sym typeface="Calibri"/>
+              </a:rPr>
+              <a:t> становятся публичными элементами класса </a:t>
+            </a:r>
+            <a:r>
+              <a:rPr lang="ru-RU" sz="1800" b="0" i="0" u="none" strike="noStrike" cap="none" dirty="0" err="1">
+                <a:solidFill>
+                  <a:schemeClr val="dk1"/>
+                </a:solidFill>
+                <a:latin typeface="Calibri"/>
+                <a:ea typeface="Calibri"/>
+                <a:cs typeface="Calibri"/>
+                <a:sym typeface="Calibri"/>
+              </a:rPr>
+              <a:t>Daughter</a:t>
+            </a:r>
+            <a:r>
+              <a:rPr lang="ru-RU" sz="1800" b="0" i="0" u="none" strike="noStrike" cap="none" dirty="0">
+                <a:solidFill>
+                  <a:schemeClr val="dk1"/>
+                </a:solidFill>
+                <a:latin typeface="Calibri"/>
+                <a:ea typeface="Calibri"/>
+                <a:cs typeface="Calibri"/>
+                <a:sym typeface="Calibri"/>
+              </a:rPr>
+              <a:t>. Производный класс наследует все базовые методы класса, кроме следующего: </a:t>
+            </a:r>
+            <a:endParaRPr dirty="0"/>
           </a:p>
           <a:p>
             <a:pPr marL="0" marR="0" lvl="0" indent="0" algn="l" rtl="0">
@@ -29083,7 +29224,7 @@
               <a:buNone/>
             </a:pPr>
             <a:r>
-              <a:rPr lang="ru-RU" sz="1800" b="0" i="0" u="none" strike="noStrike" cap="none">
+              <a:rPr lang="ru-RU" sz="1800" b="0" i="0" u="none" strike="noStrike" cap="none" dirty="0">
                 <a:solidFill>
                   <a:schemeClr val="dk1"/>
                 </a:solidFill>
@@ -29094,7 +29235,7 @@
               </a:rPr>
               <a:t>- Конструкторы, деструкторы </a:t>
             </a:r>
-            <a:endParaRPr/>
+            <a:endParaRPr dirty="0"/>
           </a:p>
           <a:p>
             <a:pPr marL="0" marR="0" lvl="0" indent="0" algn="l" rtl="0">
@@ -29110,7 +29251,7 @@
               <a:buNone/>
             </a:pPr>
             <a:r>
-              <a:rPr lang="ru-RU" sz="1800" b="0" i="0" u="none" strike="noStrike" cap="none">
+              <a:rPr lang="ru-RU" sz="1800" b="0" i="0" u="none" strike="noStrike" cap="none" dirty="0">
                 <a:solidFill>
                   <a:schemeClr val="dk1"/>
                 </a:solidFill>
@@ -29121,7 +29262,7 @@
               </a:rPr>
               <a:t>- Перегруженные операторы </a:t>
             </a:r>
-            <a:endParaRPr/>
+            <a:endParaRPr dirty="0"/>
           </a:p>
           <a:p>
             <a:pPr marL="0" marR="0" lvl="0" indent="0" algn="l" rtl="0">
@@ -29137,7 +29278,7 @@
               <a:buNone/>
             </a:pPr>
             <a:r>
-              <a:rPr lang="ru-RU" sz="1800" b="0" i="0" u="none" strike="noStrike" cap="none">
+              <a:rPr lang="ru-RU" sz="1800" b="0" i="0" u="none" strike="noStrike" cap="none" dirty="0">
                 <a:solidFill>
                   <a:schemeClr val="dk1"/>
                 </a:solidFill>
@@ -29146,9 +29287,33 @@
                 <a:cs typeface="Calibri"/>
                 <a:sym typeface="Calibri"/>
               </a:rPr>
-              <a:t>- Дружественные(friend) функции</a:t>
+              <a:t>- Дружественные(</a:t>
             </a:r>
-            <a:endParaRPr sz="1800" b="0" i="0" u="none" strike="noStrike" cap="none">
+            <a:r>
+              <a:rPr lang="ru-RU" sz="1800" b="0" i="0" u="none" strike="noStrike" cap="none" dirty="0" err="1">
+                <a:solidFill>
+                  <a:schemeClr val="dk1"/>
+                </a:solidFill>
+                <a:latin typeface="Calibri"/>
+                <a:ea typeface="Calibri"/>
+                <a:cs typeface="Calibri"/>
+                <a:sym typeface="Calibri"/>
+              </a:rPr>
+              <a:t>friend</a:t>
+            </a:r>
+            <a:r>
+              <a:rPr lang="ru-RU" sz="1800" b="0" i="0" u="none" strike="noStrike" cap="none" dirty="0">
+                <a:solidFill>
+                  <a:schemeClr val="dk1"/>
+                </a:solidFill>
+                <a:latin typeface="Calibri"/>
+                <a:ea typeface="Calibri"/>
+                <a:cs typeface="Calibri"/>
+                <a:sym typeface="Calibri"/>
+              </a:rPr>
+              <a:t>) функции</a:t>
+            </a:r>
+            <a:endParaRPr sz="1800" b="0" i="0" u="none" strike="noStrike" cap="none" dirty="0">
               <a:solidFill>
                 <a:schemeClr val="dk1"/>
               </a:solidFill>
@@ -29176,7 +29341,7 @@
               <a:buFont typeface="Arial"/>
               <a:buNone/>
             </a:pPr>
-            <a:endParaRPr sz="1800" b="0" i="0" u="none" strike="noStrike" cap="none">
+            <a:endParaRPr sz="1800" b="0" i="0" u="none" strike="noStrike" cap="none" dirty="0">
               <a:solidFill>
                 <a:schemeClr val="dk1"/>
               </a:solidFill>
@@ -29200,7 +29365,7 @@
               <a:buNone/>
             </a:pPr>
             <a:r>
-              <a:rPr lang="ru-RU" sz="1800" b="0" i="0" u="none" strike="noStrike" cap="none">
+              <a:rPr lang="ru-RU" sz="1800" b="0" i="0" u="none" strike="noStrike" cap="none" dirty="0">
                 <a:solidFill>
                   <a:schemeClr val="dk1"/>
                 </a:solidFill>
@@ -29209,9 +29374,141 @@
                 <a:cs typeface="Calibri"/>
                 <a:sym typeface="Calibri"/>
               </a:rPr>
-              <a:t>Класс может быть наследован от множества классов, с помощью указания базовых классов, разделенных запятыми. Например: class Daughter: public Mother, public Father</a:t>
+              <a:t>Класс может быть наследован от множества классов, с помощью указания базовых классов, разделенных запятыми. Например: </a:t>
             </a:r>
-            <a:endParaRPr sz="1800" b="0" i="0" u="none" strike="noStrike" cap="none">
+            <a:r>
+              <a:rPr lang="ru-RU" sz="1800" b="0" i="0" u="none" strike="noStrike" cap="none" dirty="0" err="1">
+                <a:solidFill>
+                  <a:schemeClr val="dk1"/>
+                </a:solidFill>
+                <a:latin typeface="Calibri"/>
+                <a:ea typeface="Calibri"/>
+                <a:cs typeface="Calibri"/>
+                <a:sym typeface="Calibri"/>
+              </a:rPr>
+              <a:t>class</a:t>
+            </a:r>
+            <a:r>
+              <a:rPr lang="ru-RU" sz="1800" b="0" i="0" u="none" strike="noStrike" cap="none" dirty="0">
+                <a:solidFill>
+                  <a:schemeClr val="dk1"/>
+                </a:solidFill>
+                <a:latin typeface="Calibri"/>
+                <a:ea typeface="Calibri"/>
+                <a:cs typeface="Calibri"/>
+                <a:sym typeface="Calibri"/>
+              </a:rPr>
+              <a:t> </a:t>
+            </a:r>
+            <a:r>
+              <a:rPr lang="ru-RU" sz="1800" b="0" i="0" u="none" strike="noStrike" cap="none" dirty="0" err="1">
+                <a:solidFill>
+                  <a:schemeClr val="dk1"/>
+                </a:solidFill>
+                <a:latin typeface="Calibri"/>
+                <a:ea typeface="Calibri"/>
+                <a:cs typeface="Calibri"/>
+                <a:sym typeface="Calibri"/>
+              </a:rPr>
+              <a:t>Daughter</a:t>
+            </a:r>
+            <a:r>
+              <a:rPr lang="ru-RU" sz="1800" b="0" i="0" u="none" strike="noStrike" cap="none" dirty="0">
+                <a:solidFill>
+                  <a:schemeClr val="dk1"/>
+                </a:solidFill>
+                <a:latin typeface="Calibri"/>
+                <a:ea typeface="Calibri"/>
+                <a:cs typeface="Calibri"/>
+                <a:sym typeface="Calibri"/>
+              </a:rPr>
+              <a:t>: </a:t>
+            </a:r>
+            <a:r>
+              <a:rPr lang="ru-RU" sz="1800" b="0" i="0" u="none" strike="noStrike" cap="none" dirty="0" err="1">
+                <a:solidFill>
+                  <a:schemeClr val="dk1"/>
+                </a:solidFill>
+                <a:latin typeface="Calibri"/>
+                <a:ea typeface="Calibri"/>
+                <a:cs typeface="Calibri"/>
+                <a:sym typeface="Calibri"/>
+              </a:rPr>
+              <a:t>public</a:t>
+            </a:r>
+            <a:r>
+              <a:rPr lang="ru-RU" sz="1800" b="0" i="0" u="none" strike="noStrike" cap="none" dirty="0">
+                <a:solidFill>
+                  <a:schemeClr val="dk1"/>
+                </a:solidFill>
+                <a:latin typeface="Calibri"/>
+                <a:ea typeface="Calibri"/>
+                <a:cs typeface="Calibri"/>
+                <a:sym typeface="Calibri"/>
+              </a:rPr>
+              <a:t> </a:t>
+            </a:r>
+            <a:r>
+              <a:rPr lang="ru-RU" sz="1800" b="0" i="0" u="none" strike="noStrike" cap="none" dirty="0" err="1">
+                <a:solidFill>
+                  <a:schemeClr val="dk1"/>
+                </a:solidFill>
+                <a:latin typeface="Calibri"/>
+                <a:ea typeface="Calibri"/>
+                <a:cs typeface="Calibri"/>
+                <a:sym typeface="Calibri"/>
+              </a:rPr>
+              <a:t>Mother</a:t>
+            </a:r>
+            <a:r>
+              <a:rPr lang="ru-RU" sz="1800" b="0" i="0" u="none" strike="noStrike" cap="none" dirty="0">
+                <a:solidFill>
+                  <a:schemeClr val="dk1"/>
+                </a:solidFill>
+                <a:latin typeface="Calibri"/>
+                <a:ea typeface="Calibri"/>
+                <a:cs typeface="Calibri"/>
+                <a:sym typeface="Calibri"/>
+              </a:rPr>
+              <a:t>, </a:t>
+            </a:r>
+            <a:r>
+              <a:rPr lang="ru-RU" sz="1800" b="0" i="0" u="none" strike="noStrike" cap="none" dirty="0" err="1">
+                <a:solidFill>
+                  <a:schemeClr val="dk1"/>
+                </a:solidFill>
+                <a:latin typeface="Calibri"/>
+                <a:ea typeface="Calibri"/>
+                <a:cs typeface="Calibri"/>
+                <a:sym typeface="Calibri"/>
+              </a:rPr>
+              <a:t>public</a:t>
+            </a:r>
+            <a:r>
+              <a:rPr lang="ru-RU" sz="1800" b="0" i="0" u="none" strike="noStrike" cap="none" dirty="0">
+                <a:solidFill>
+                  <a:schemeClr val="dk1"/>
+                </a:solidFill>
+                <a:latin typeface="Calibri"/>
+                <a:ea typeface="Calibri"/>
+                <a:cs typeface="Calibri"/>
+                <a:sym typeface="Calibri"/>
+              </a:rPr>
+              <a:t> </a:t>
+            </a:r>
+            <a:r>
+              <a:rPr lang="ru-RU" sz="1800" b="0" i="0" u="none" strike="noStrike" cap="none" dirty="0" err="1">
+                <a:solidFill>
+                  <a:schemeClr val="dk1"/>
+                </a:solidFill>
+                <a:latin typeface="Calibri"/>
+                <a:ea typeface="Calibri"/>
+                <a:cs typeface="Calibri"/>
+                <a:sym typeface="Calibri"/>
+              </a:rPr>
+              <a:t>Father</a:t>
+            </a:r>
+            <a:endParaRPr sz="1800" b="0" i="0" u="none" strike="noStrike" cap="none" dirty="0">
               <a:solidFill>
                 <a:schemeClr val="dk1"/>
               </a:solidFill>
@@ -29779,7 +30076,7 @@
               <a:buNone/>
             </a:pPr>
             <a:r>
-              <a:rPr lang="ru-RU" sz="1600" b="1" i="0" u="none" strike="noStrike" cap="none">
+              <a:rPr lang="ru-RU" sz="1600" b="1" i="0" u="none" strike="noStrike" cap="none" dirty="0">
                 <a:solidFill>
                   <a:schemeClr val="dk1"/>
                 </a:solidFill>
@@ -29790,7 +30087,7 @@
               </a:rPr>
               <a:t>Спецификаторы Доступа </a:t>
             </a:r>
-            <a:endParaRPr/>
+            <a:endParaRPr dirty="0"/>
           </a:p>
           <a:p>
             <a:pPr marL="0" marR="0" lvl="0" indent="0" algn="l" rtl="0">
@@ -29806,7 +30103,7 @@
               <a:buNone/>
             </a:pPr>
             <a:r>
-              <a:rPr lang="ru-RU" sz="1600" b="0" i="0" u="none" strike="noStrike" cap="none">
+              <a:rPr lang="ru-RU" sz="1600" b="0" i="0" u="none" strike="noStrike" cap="none" dirty="0">
                 <a:solidFill>
                   <a:schemeClr val="dk1"/>
                 </a:solidFill>
@@ -29817,7 +30114,7 @@
               </a:rPr>
               <a:t> </a:t>
             </a:r>
-            <a:endParaRPr/>
+            <a:endParaRPr dirty="0"/>
           </a:p>
           <a:p>
             <a:pPr marL="0" marR="0" lvl="0" indent="0" algn="l" rtl="0">
@@ -29833,7 +30130,7 @@
               <a:buNone/>
             </a:pPr>
             <a:r>
-              <a:rPr lang="ru-RU" sz="1600" b="0" i="0" u="none" strike="noStrike" cap="none">
+              <a:rPr lang="ru-RU" sz="1600" b="0" i="0" u="none" strike="noStrike" cap="none" dirty="0">
                 <a:solidFill>
                   <a:schemeClr val="dk1"/>
                 </a:solidFill>
@@ -29842,9 +30139,57 @@
                 <a:cs typeface="Arial"/>
                 <a:sym typeface="Arial"/>
               </a:rPr>
-              <a:t>До этого времени, мы работали только со спецификаторами доступа public и private.  </a:t>
+              <a:t>До этого времени, мы работали только со спецификаторами доступа </a:t>
             </a:r>
-            <a:endParaRPr/>
+            <a:r>
+              <a:rPr lang="ru-RU" sz="1600" b="0" i="0" u="none" strike="noStrike" cap="none" dirty="0" err="1">
+                <a:solidFill>
+                  <a:schemeClr val="dk1"/>
+                </a:solidFill>
+                <a:latin typeface="Arial"/>
+                <a:ea typeface="Arial"/>
+                <a:cs typeface="Arial"/>
+                <a:sym typeface="Arial"/>
+              </a:rPr>
+              <a:t>public</a:t>
+            </a:r>
+            <a:r>
+              <a:rPr lang="ru-RU" sz="1600" b="0" i="0" u="none" strike="noStrike" cap="none" dirty="0">
+                <a:solidFill>
+                  <a:schemeClr val="dk1"/>
+                </a:solidFill>
+                <a:latin typeface="Arial"/>
+                <a:ea typeface="Arial"/>
+                <a:cs typeface="Arial"/>
+                <a:sym typeface="Arial"/>
+              </a:rPr>
+              <a:t> и </a:t>
+            </a:r>
+            <a:r>
+              <a:rPr lang="ru-RU" sz="1600" b="0" i="0" u="none" strike="noStrike" cap="none" dirty="0" err="1">
+                <a:solidFill>
+                  <a:schemeClr val="dk1"/>
+                </a:solidFill>
+                <a:latin typeface="Arial"/>
+                <a:ea typeface="Arial"/>
+                <a:cs typeface="Arial"/>
+                <a:sym typeface="Arial"/>
+              </a:rPr>
+              <a:t>private</a:t>
+            </a:r>
+            <a:r>
+              <a:rPr lang="ru-RU" sz="1600" b="0" i="0" u="none" strike="noStrike" cap="none" dirty="0">
+                <a:solidFill>
+                  <a:schemeClr val="dk1"/>
+                </a:solidFill>
+                <a:latin typeface="Arial"/>
+                <a:ea typeface="Arial"/>
+                <a:cs typeface="Arial"/>
+                <a:sym typeface="Arial"/>
+              </a:rPr>
+              <a:t>.  </a:t>
+            </a:r>
+            <a:endParaRPr dirty="0"/>
           </a:p>
           <a:p>
             <a:pPr marL="0" marR="0" lvl="0" indent="0" algn="l" rtl="0">
@@ -29860,7 +30205,7 @@
               <a:buNone/>
             </a:pPr>
             <a:r>
-              <a:rPr lang="ru-RU" sz="1600" b="0" i="0" u="none" strike="noStrike" cap="none">
+              <a:rPr lang="ru-RU" sz="1600" b="0" i="0" u="none" strike="noStrike" cap="none" dirty="0">
                 <a:solidFill>
                   <a:schemeClr val="dk1"/>
                 </a:solidFill>
@@ -29871,7 +30216,7 @@
               </a:rPr>
               <a:t>Доступ к публичным элементам может быть получен снаружи класса, в то время как доступ к приватным элементам имеют только их класс и дружественные функции.</a:t>
             </a:r>
-            <a:endParaRPr sz="1600" b="0" i="0" u="none" strike="noStrike" cap="none">
+            <a:endParaRPr sz="1600" b="0" i="0" u="none" strike="noStrike" cap="none" dirty="0">
               <a:solidFill>
                 <a:schemeClr val="dk1"/>
               </a:solidFill>
@@ -29894,7 +30239,7 @@
               </a:spcAft>
               <a:buNone/>
             </a:pPr>
-            <a:endParaRPr sz="1600" b="0" i="0" u="none" strike="noStrike" cap="none">
+            <a:endParaRPr sz="1600" b="0" i="0" u="none" strike="noStrike" cap="none" dirty="0">
               <a:solidFill>
                 <a:schemeClr val="dk1"/>
               </a:solidFill>
@@ -29918,7 +30263,7 @@
               <a:buNone/>
             </a:pPr>
             <a:r>
-              <a:rPr lang="ru-RU" sz="1600" b="1" i="0" u="none" strike="noStrike" cap="none">
+              <a:rPr lang="ru-RU" sz="1600" b="1" i="0" u="none" strike="noStrike" cap="none" dirty="0" err="1">
                 <a:solidFill>
                   <a:schemeClr val="dk1"/>
                 </a:solidFill>
@@ -29926,7 +30271,7 @@
               <a:t>Protected</a:t>
             </a:r>
             <a:r>
-              <a:rPr lang="ru-RU" sz="1600" b="0" i="0" u="none" strike="noStrike" cap="none">
+              <a:rPr lang="ru-RU" sz="1600" b="0" i="0" u="none" strike="noStrike" cap="none" dirty="0">
                 <a:solidFill>
                   <a:schemeClr val="dk1"/>
                 </a:solidFill>
@@ -29937,7 +30282,7 @@
               </a:rPr>
               <a:t> </a:t>
             </a:r>
-            <a:endParaRPr/>
+            <a:endParaRPr dirty="0"/>
           </a:p>
           <a:p>
             <a:pPr marL="0" marR="0" lvl="0" indent="0" algn="l" rtl="0">
@@ -29953,7 +30298,7 @@
               <a:buNone/>
             </a:pPr>
             <a:r>
-              <a:rPr lang="ru-RU" sz="1600" b="0" i="0" u="none" strike="noStrike" cap="none">
+              <a:rPr lang="ru-RU" sz="1600" b="0" i="0" u="none" strike="noStrike" cap="none" dirty="0">
                 <a:solidFill>
                   <a:schemeClr val="dk1"/>
                 </a:solidFill>
@@ -29964,7 +30309,7 @@
               </a:rPr>
               <a:t> </a:t>
             </a:r>
-            <a:endParaRPr/>
+            <a:endParaRPr dirty="0"/>
           </a:p>
           <a:p>
             <a:pPr marL="0" marR="0" lvl="0" indent="0" algn="l" rtl="0">
@@ -29980,7 +30325,7 @@
               <a:buNone/>
             </a:pPr>
             <a:r>
-              <a:rPr lang="ru-RU" sz="1600" b="0" i="0" u="none" strike="noStrike" cap="none">
+              <a:rPr lang="ru-RU" sz="1600" b="0" i="0" u="none" strike="noStrike" cap="none" dirty="0">
                 <a:solidFill>
                   <a:schemeClr val="dk1"/>
                 </a:solidFill>
@@ -29989,25 +30334,10 @@
                 <a:cs typeface="Arial"/>
                 <a:sym typeface="Arial"/>
               </a:rPr>
-              <a:t>Существует еще один спецификатор доступа - protected. </a:t>
+              <a:t>Существует еще один спецификатор доступа - </a:t>
             </a:r>
-            <a:endParaRPr/>
-          </a:p>
-          <a:p>
-            <a:pPr marL="0" marR="0" lvl="0" indent="0" algn="l" rtl="0">
-              <a:lnSpc>
-                <a:spcPct val="100000"/>
-              </a:lnSpc>
-              <a:spcBef>
-                <a:spcPts val="0"/>
-              </a:spcBef>
-              <a:spcAft>
-                <a:spcPts val="0"/>
-              </a:spcAft>
-              <a:buNone/>
-            </a:pPr>
             <a:r>
-              <a:rPr lang="ru-RU" sz="1600" b="0" i="0" u="none" strike="noStrike" cap="none">
+              <a:rPr lang="ru-RU" sz="1600" b="0" i="0" u="none" strike="noStrike" cap="none" dirty="0" err="1">
                 <a:solidFill>
                   <a:schemeClr val="dk1"/>
                 </a:solidFill>
@@ -30016,9 +30346,60 @@
                 <a:cs typeface="Arial"/>
                 <a:sym typeface="Arial"/>
               </a:rPr>
-              <a:t>Protected переменная или функция очень похожа на приватный элемент, с одним отличием – она может быть доступна в производном классе.</a:t>
+              <a:t>protected</a:t>
             </a:r>
-            <a:endParaRPr sz="1600" b="0" i="0" u="none" strike="noStrike" cap="none">
+            <a:r>
+              <a:rPr lang="ru-RU" sz="1600" b="0" i="0" u="none" strike="noStrike" cap="none" dirty="0">
+                <a:solidFill>
+                  <a:schemeClr val="dk1"/>
+                </a:solidFill>
+                <a:latin typeface="Arial"/>
+                <a:ea typeface="Arial"/>
+                <a:cs typeface="Arial"/>
+                <a:sym typeface="Arial"/>
+              </a:rPr>
+              <a:t>. </a:t>
+            </a:r>
+            <a:endParaRPr dirty="0"/>
+          </a:p>
+          <a:p>
+            <a:pPr marL="0" marR="0" lvl="0" indent="0" algn="l" rtl="0">
+              <a:lnSpc>
+                <a:spcPct val="100000"/>
+              </a:lnSpc>
+              <a:spcBef>
+                <a:spcPts val="0"/>
+              </a:spcBef>
+              <a:spcAft>
+                <a:spcPts val="0"/>
+              </a:spcAft>
+              <a:buNone/>
+            </a:pPr>
+            <a:r>
+              <a:rPr lang="ru-RU" sz="1600" b="0" i="0" u="none" strike="noStrike" cap="none" dirty="0" err="1">
+                <a:solidFill>
+                  <a:schemeClr val="dk1"/>
+                </a:solidFill>
+                <a:latin typeface="Arial"/>
+                <a:ea typeface="Arial"/>
+                <a:cs typeface="Arial"/>
+                <a:sym typeface="Arial"/>
+              </a:rPr>
+              <a:t>Protected</a:t>
+            </a:r>
+            <a:r>
+              <a:rPr lang="ru-RU" sz="1600" b="0" i="0" u="none" strike="noStrike" cap="none" dirty="0">
+                <a:solidFill>
+                  <a:schemeClr val="dk1"/>
+                </a:solidFill>
+                <a:latin typeface="Arial"/>
+                <a:ea typeface="Arial"/>
+                <a:cs typeface="Arial"/>
+                <a:sym typeface="Arial"/>
+              </a:rPr>
+              <a:t> переменная или функция очень похожа на приватный элемент, с одним отличием – она может быть доступна в производном классе.</a:t>
+            </a:r>
+            <a:endParaRPr sz="1600" b="0" i="0" u="none" strike="noStrike" cap="none" dirty="0">
               <a:solidFill>
                 <a:schemeClr val="dk1"/>
               </a:solidFill>
@@ -30041,7 +30422,7 @@
               </a:spcAft>
               <a:buNone/>
             </a:pPr>
-            <a:endParaRPr sz="1600" b="0" i="0" u="none" strike="noStrike" cap="none">
+            <a:endParaRPr sz="1600" b="0" i="0" u="none" strike="noStrike" cap="none" dirty="0">
               <a:solidFill>
                 <a:schemeClr val="dk1"/>
               </a:solidFill>
@@ -30582,7 +30963,7 @@
               <a:buNone/>
             </a:pPr>
             <a:r>
-              <a:rPr lang="ru-RU" sz="1600" b="1" i="0" u="none" strike="noStrike" cap="none">
+              <a:rPr lang="ru-RU" sz="1600" b="1" i="0" u="none" strike="noStrike" cap="none" dirty="0">
                 <a:solidFill>
                   <a:schemeClr val="dk1"/>
                 </a:solidFill>
@@ -30593,7 +30974,7 @@
               </a:rPr>
               <a:t>Типы наследования </a:t>
             </a:r>
-            <a:endParaRPr/>
+            <a:endParaRPr dirty="0"/>
           </a:p>
           <a:p>
             <a:pPr marL="0" marR="0" lvl="0" indent="0" algn="l" rtl="0">
@@ -30609,7 +30990,7 @@
               <a:buNone/>
             </a:pPr>
             <a:r>
-              <a:rPr lang="ru-RU" sz="1600" b="0" i="0" u="none" strike="noStrike" cap="none">
+              <a:rPr lang="ru-RU" sz="1600" b="0" i="0" u="none" strike="noStrike" cap="none" dirty="0">
                 <a:solidFill>
                   <a:schemeClr val="dk1"/>
                 </a:solidFill>
@@ -30620,7 +31001,7 @@
               </a:rPr>
               <a:t> </a:t>
             </a:r>
-            <a:endParaRPr/>
+            <a:endParaRPr dirty="0"/>
           </a:p>
           <a:p>
             <a:pPr marL="0" marR="0" lvl="0" indent="0" algn="l" rtl="0">
@@ -30636,7 +31017,7 @@
               <a:buNone/>
             </a:pPr>
             <a:r>
-              <a:rPr lang="ru-RU" sz="1600" b="0" i="0" u="none" strike="noStrike" cap="none">
+              <a:rPr lang="ru-RU" sz="1600" b="0" i="0" u="none" strike="noStrike" cap="none" dirty="0">
                 <a:solidFill>
                   <a:schemeClr val="dk1"/>
                 </a:solidFill>
@@ -30647,7 +31028,7 @@
               </a:rPr>
               <a:t>Спецификаторы доступа также используются для описания типа наследования. </a:t>
             </a:r>
-            <a:endParaRPr sz="1600" b="0" i="0" u="none" strike="noStrike" cap="none">
+            <a:endParaRPr sz="1600" b="0" i="0" u="none" strike="noStrike" cap="none" dirty="0">
               <a:solidFill>
                 <a:schemeClr val="dk1"/>
               </a:solidFill>
@@ -30670,7 +31051,7 @@
               </a:spcAft>
               <a:buNone/>
             </a:pPr>
-            <a:endParaRPr sz="1600" b="0" i="0" u="none" strike="noStrike" cap="none">
+            <a:endParaRPr sz="1600" b="0" i="0" u="none" strike="noStrike" cap="none" dirty="0">
               <a:solidFill>
                 <a:schemeClr val="dk1"/>
               </a:solidFill>
@@ -31672,7 +32053,7 @@
               <a:buNone/>
             </a:pPr>
             <a:r>
-              <a:rPr lang="ru-RU" sz="1600" b="0" i="0" u="none" strike="noStrike" cap="none">
+              <a:rPr lang="ru-RU" sz="1600" b="0" i="0" u="none" strike="noStrike" cap="none" dirty="0">
                 <a:solidFill>
                   <a:schemeClr val="dk1"/>
                 </a:solidFill>
@@ -31681,9 +32062,201 @@
                 <a:cs typeface="Arial"/>
                 <a:sym typeface="Arial"/>
               </a:rPr>
-              <a:t>Наследование с ключом доступа Public: public элементы базового класса становятся public элементами производного класса, protected элементы базового класса становятся protected элементами производного класса. Private элементы никогда не бывают доступны из производного класса, но могут быть доступны, с помощью вызова public и protected элементов базового класса. </a:t>
+              <a:t>Наследование с ключом доступа </a:t>
             </a:r>
-            <a:endParaRPr/>
+            <a:r>
+              <a:rPr lang="ru-RU" sz="1600" b="0" i="0" u="none" strike="noStrike" cap="none" dirty="0" err="1">
+                <a:solidFill>
+                  <a:schemeClr val="dk1"/>
+                </a:solidFill>
+                <a:latin typeface="Arial"/>
+                <a:ea typeface="Arial"/>
+                <a:cs typeface="Arial"/>
+                <a:sym typeface="Arial"/>
+              </a:rPr>
+              <a:t>Public</a:t>
+            </a:r>
+            <a:r>
+              <a:rPr lang="ru-RU" sz="1600" b="0" i="0" u="none" strike="noStrike" cap="none" dirty="0">
+                <a:solidFill>
+                  <a:schemeClr val="dk1"/>
+                </a:solidFill>
+                <a:latin typeface="Arial"/>
+                <a:ea typeface="Arial"/>
+                <a:cs typeface="Arial"/>
+                <a:sym typeface="Arial"/>
+              </a:rPr>
+              <a:t>: </a:t>
+            </a:r>
+            <a:r>
+              <a:rPr lang="ru-RU" sz="1600" b="0" i="0" u="none" strike="noStrike" cap="none" dirty="0" err="1">
+                <a:solidFill>
+                  <a:schemeClr val="dk1"/>
+                </a:solidFill>
+                <a:latin typeface="Arial"/>
+                <a:ea typeface="Arial"/>
+                <a:cs typeface="Arial"/>
+                <a:sym typeface="Arial"/>
+              </a:rPr>
+              <a:t>public</a:t>
+            </a:r>
+            <a:r>
+              <a:rPr lang="ru-RU" sz="1600" b="0" i="0" u="none" strike="noStrike" cap="none" dirty="0">
+                <a:solidFill>
+                  <a:schemeClr val="dk1"/>
+                </a:solidFill>
+                <a:latin typeface="Arial"/>
+                <a:ea typeface="Arial"/>
+                <a:cs typeface="Arial"/>
+                <a:sym typeface="Arial"/>
+              </a:rPr>
+              <a:t> элементы базового класса становятся </a:t>
+            </a:r>
+            <a:r>
+              <a:rPr lang="ru-RU" sz="1600" b="0" i="0" u="none" strike="noStrike" cap="none" dirty="0" err="1">
+                <a:solidFill>
+                  <a:schemeClr val="dk1"/>
+                </a:solidFill>
+                <a:latin typeface="Arial"/>
+                <a:ea typeface="Arial"/>
+                <a:cs typeface="Arial"/>
+                <a:sym typeface="Arial"/>
+              </a:rPr>
+              <a:t>public</a:t>
+            </a:r>
+            <a:r>
+              <a:rPr lang="ru-RU" sz="1600" b="0" i="0" u="none" strike="noStrike" cap="none" dirty="0">
+                <a:solidFill>
+                  <a:schemeClr val="dk1"/>
+                </a:solidFill>
+                <a:latin typeface="Arial"/>
+                <a:ea typeface="Arial"/>
+                <a:cs typeface="Arial"/>
+                <a:sym typeface="Arial"/>
+              </a:rPr>
+              <a:t> элементами производного класса, </a:t>
+            </a:r>
+            <a:r>
+              <a:rPr lang="ru-RU" sz="1600" b="0" i="0" u="none" strike="noStrike" cap="none" dirty="0" err="1">
+                <a:solidFill>
+                  <a:schemeClr val="dk1"/>
+                </a:solidFill>
+                <a:latin typeface="Arial"/>
+                <a:ea typeface="Arial"/>
+                <a:cs typeface="Arial"/>
+                <a:sym typeface="Arial"/>
+              </a:rPr>
+              <a:t>protected</a:t>
+            </a:r>
+            <a:r>
+              <a:rPr lang="ru-RU" sz="1600" b="0" i="0" u="none" strike="noStrike" cap="none" dirty="0">
+                <a:solidFill>
+                  <a:schemeClr val="dk1"/>
+                </a:solidFill>
+                <a:latin typeface="Arial"/>
+                <a:ea typeface="Arial"/>
+                <a:cs typeface="Arial"/>
+                <a:sym typeface="Arial"/>
+              </a:rPr>
+              <a:t> элементы базового класса становятся </a:t>
+            </a:r>
+            <a:r>
+              <a:rPr lang="ru-RU" sz="1600" b="0" i="0" u="none" strike="noStrike" cap="none" dirty="0" err="1">
+                <a:solidFill>
+                  <a:schemeClr val="dk1"/>
+                </a:solidFill>
+                <a:latin typeface="Arial"/>
+                <a:ea typeface="Arial"/>
+                <a:cs typeface="Arial"/>
+                <a:sym typeface="Arial"/>
+              </a:rPr>
+              <a:t>protected</a:t>
+            </a:r>
+            <a:r>
+              <a:rPr lang="ru-RU" sz="1600" b="0" i="0" u="none" strike="noStrike" cap="none" dirty="0">
+                <a:solidFill>
+                  <a:schemeClr val="dk1"/>
+                </a:solidFill>
+                <a:latin typeface="Arial"/>
+                <a:ea typeface="Arial"/>
+                <a:cs typeface="Arial"/>
+                <a:sym typeface="Arial"/>
+              </a:rPr>
+              <a:t> элементами производного класса. </a:t>
+            </a:r>
+            <a:r>
+              <a:rPr lang="ru-RU" sz="1600" b="0" i="0" u="none" strike="noStrike" cap="none" dirty="0" err="1">
+                <a:solidFill>
+                  <a:schemeClr val="dk1"/>
+                </a:solidFill>
+                <a:latin typeface="Arial"/>
+                <a:ea typeface="Arial"/>
+                <a:cs typeface="Arial"/>
+                <a:sym typeface="Arial"/>
+              </a:rPr>
+              <a:t>Private</a:t>
+            </a:r>
+            <a:r>
+              <a:rPr lang="ru-RU" sz="1600" b="0" i="0" u="none" strike="noStrike" cap="none" dirty="0">
+                <a:solidFill>
+                  <a:schemeClr val="dk1"/>
+                </a:solidFill>
+                <a:latin typeface="Arial"/>
+                <a:ea typeface="Arial"/>
+                <a:cs typeface="Arial"/>
+                <a:sym typeface="Arial"/>
+              </a:rPr>
+              <a:t> элементы никогда не бывают доступны из производного класса, но могут быть доступны, с помощью вызова </a:t>
+            </a:r>
+            <a:r>
+              <a:rPr lang="ru-RU" sz="1600" b="0" i="0" u="none" strike="noStrike" cap="none" dirty="0" err="1">
+                <a:solidFill>
+                  <a:schemeClr val="dk1"/>
+                </a:solidFill>
+                <a:latin typeface="Arial"/>
+                <a:ea typeface="Arial"/>
+                <a:cs typeface="Arial"/>
+                <a:sym typeface="Arial"/>
+              </a:rPr>
+              <a:t>public</a:t>
+            </a:r>
+            <a:r>
+              <a:rPr lang="ru-RU" sz="1600" b="0" i="0" u="none" strike="noStrike" cap="none" dirty="0">
+                <a:solidFill>
+                  <a:schemeClr val="dk1"/>
+                </a:solidFill>
+                <a:latin typeface="Arial"/>
+                <a:ea typeface="Arial"/>
+                <a:cs typeface="Arial"/>
+                <a:sym typeface="Arial"/>
+              </a:rPr>
+              <a:t> и </a:t>
+            </a:r>
+            <a:r>
+              <a:rPr lang="ru-RU" sz="1600" b="0" i="0" u="none" strike="noStrike" cap="none" dirty="0" err="1">
+                <a:solidFill>
+                  <a:schemeClr val="dk1"/>
+                </a:solidFill>
+                <a:latin typeface="Arial"/>
+                <a:ea typeface="Arial"/>
+                <a:cs typeface="Arial"/>
+                <a:sym typeface="Arial"/>
+              </a:rPr>
+              <a:t>protected</a:t>
+            </a:r>
+            <a:r>
+              <a:rPr lang="ru-RU" sz="1600" b="0" i="0" u="none" strike="noStrike" cap="none" dirty="0">
+                <a:solidFill>
+                  <a:schemeClr val="dk1"/>
+                </a:solidFill>
+                <a:latin typeface="Arial"/>
+                <a:ea typeface="Arial"/>
+                <a:cs typeface="Arial"/>
+                <a:sym typeface="Arial"/>
+              </a:rPr>
+              <a:t> элементов базового класса. </a:t>
+            </a:r>
+            <a:endParaRPr dirty="0"/>
           </a:p>
           <a:p>
             <a:pPr marL="0" marR="0" lvl="0" indent="0" algn="l" rtl="0">
@@ -31699,7 +32272,7 @@
               <a:buNone/>
             </a:pPr>
             <a:r>
-              <a:rPr lang="ru-RU" sz="1600" b="0" i="0" u="none" strike="noStrike" cap="none">
+              <a:rPr lang="ru-RU" sz="1600" b="0" i="0" u="none" strike="noStrike" cap="none" dirty="0">
                 <a:solidFill>
                   <a:schemeClr val="dk1"/>
                 </a:solidFill>
@@ -31710,7 +32283,7 @@
               </a:rPr>
               <a:t> </a:t>
             </a:r>
-            <a:endParaRPr/>
+            <a:endParaRPr dirty="0"/>
           </a:p>
           <a:p>
             <a:pPr marL="0" marR="0" lvl="0" indent="0" algn="l" rtl="0">
@@ -31726,7 +32299,7 @@
               <a:buNone/>
             </a:pPr>
             <a:r>
-              <a:rPr lang="ru-RU" sz="1600" b="0" i="0" u="none" strike="noStrike" cap="none">
+              <a:rPr lang="ru-RU" sz="1600" b="0" i="0" u="none" strike="noStrike" cap="none" dirty="0">
                 <a:solidFill>
                   <a:schemeClr val="dk1"/>
                 </a:solidFill>
@@ -31735,9 +32308,105 @@
                 <a:cs typeface="Arial"/>
                 <a:sym typeface="Arial"/>
               </a:rPr>
-              <a:t>Наследование с ключом доступа Protected: public и protected элементы базового класса становятся protected элементами производного класса. </a:t>
+              <a:t>Наследование с ключом доступа </a:t>
             </a:r>
-            <a:endParaRPr/>
+            <a:r>
+              <a:rPr lang="ru-RU" sz="1600" b="0" i="0" u="none" strike="noStrike" cap="none" dirty="0" err="1">
+                <a:solidFill>
+                  <a:schemeClr val="dk1"/>
+                </a:solidFill>
+                <a:latin typeface="Arial"/>
+                <a:ea typeface="Arial"/>
+                <a:cs typeface="Arial"/>
+                <a:sym typeface="Arial"/>
+              </a:rPr>
+              <a:t>Protected</a:t>
+            </a:r>
+            <a:r>
+              <a:rPr lang="ru-RU" sz="1600" b="0" i="0" u="none" strike="noStrike" cap="none" dirty="0">
+                <a:solidFill>
+                  <a:schemeClr val="dk1"/>
+                </a:solidFill>
+                <a:latin typeface="Arial"/>
+                <a:ea typeface="Arial"/>
+                <a:cs typeface="Arial"/>
+                <a:sym typeface="Arial"/>
+              </a:rPr>
+              <a:t>: </a:t>
+            </a:r>
+            <a:r>
+              <a:rPr lang="ru-RU" sz="1600" b="0" i="0" u="none" strike="noStrike" cap="none" dirty="0" err="1">
+                <a:solidFill>
+                  <a:schemeClr val="dk1"/>
+                </a:solidFill>
+                <a:latin typeface="Arial"/>
+                <a:ea typeface="Arial"/>
+                <a:cs typeface="Arial"/>
+                <a:sym typeface="Arial"/>
+              </a:rPr>
+              <a:t>public</a:t>
+            </a:r>
+            <a:r>
+              <a:rPr lang="ru-RU" sz="1600" b="0" i="0" u="none" strike="noStrike" cap="none" dirty="0">
+                <a:solidFill>
+                  <a:schemeClr val="dk1"/>
+                </a:solidFill>
+                <a:latin typeface="Arial"/>
+                <a:ea typeface="Arial"/>
+                <a:cs typeface="Arial"/>
+                <a:sym typeface="Arial"/>
+              </a:rPr>
+              <a:t> и </a:t>
+            </a:r>
+            <a:r>
+              <a:rPr lang="ru-RU" sz="1600" b="0" i="0" u="none" strike="noStrike" cap="none" dirty="0" err="1">
+                <a:solidFill>
+                  <a:schemeClr val="dk1"/>
+                </a:solidFill>
+                <a:latin typeface="Arial"/>
+                <a:ea typeface="Arial"/>
+                <a:cs typeface="Arial"/>
+                <a:sym typeface="Arial"/>
+              </a:rPr>
+              <a:t>protected</a:t>
+            </a:r>
+            <a:r>
+              <a:rPr lang="ru-RU" sz="1600" b="0" i="0" u="none" strike="noStrike" cap="none" dirty="0">
+                <a:solidFill>
+                  <a:schemeClr val="dk1"/>
+                </a:solidFill>
+                <a:latin typeface="Arial"/>
+                <a:ea typeface="Arial"/>
+                <a:cs typeface="Arial"/>
+                <a:sym typeface="Arial"/>
+              </a:rPr>
+              <a:t> элементы базового класса становятся </a:t>
+            </a:r>
+            <a:r>
+              <a:rPr lang="ru-RU" sz="1600" b="0" i="0" u="none" strike="noStrike" cap="none" dirty="0" err="1">
+                <a:solidFill>
+                  <a:schemeClr val="dk1"/>
+                </a:solidFill>
+                <a:latin typeface="Arial"/>
+                <a:ea typeface="Arial"/>
+                <a:cs typeface="Arial"/>
+                <a:sym typeface="Arial"/>
+              </a:rPr>
+              <a:t>protected</a:t>
+            </a:r>
+            <a:r>
+              <a:rPr lang="ru-RU" sz="1600" b="0" i="0" u="none" strike="noStrike" cap="none" dirty="0">
+                <a:solidFill>
+                  <a:schemeClr val="dk1"/>
+                </a:solidFill>
+                <a:latin typeface="Arial"/>
+                <a:ea typeface="Arial"/>
+                <a:cs typeface="Arial"/>
+                <a:sym typeface="Arial"/>
+              </a:rPr>
+              <a:t> элементами производного класса. </a:t>
+            </a:r>
+            <a:endParaRPr dirty="0"/>
           </a:p>
           <a:p>
             <a:pPr marL="0" marR="0" lvl="0" indent="0" algn="l" rtl="0">
@@ -31753,7 +32422,7 @@
               <a:buNone/>
             </a:pPr>
             <a:r>
-              <a:rPr lang="ru-RU" sz="1600" b="0" i="0" u="none" strike="noStrike" cap="none">
+              <a:rPr lang="ru-RU" sz="1600" b="0" i="0" u="none" strike="noStrike" cap="none" dirty="0">
                 <a:solidFill>
                   <a:schemeClr val="dk1"/>
                 </a:solidFill>
@@ -31764,7 +32433,7 @@
               </a:rPr>
               <a:t> </a:t>
             </a:r>
-            <a:endParaRPr/>
+            <a:endParaRPr dirty="0"/>
           </a:p>
           <a:p>
             <a:pPr marL="0" marR="0" lvl="0" indent="0" algn="l" rtl="0">
@@ -31780,7 +32449,7 @@
               <a:buNone/>
             </a:pPr>
             <a:r>
-              <a:rPr lang="ru-RU" sz="1600" b="0" i="0" u="none" strike="noStrike" cap="none">
+              <a:rPr lang="ru-RU" sz="1600" b="0" i="0" u="none" strike="noStrike" cap="none" dirty="0">
                 <a:solidFill>
                   <a:schemeClr val="dk1"/>
                 </a:solidFill>
@@ -31789,9 +32458,129 @@
                 <a:cs typeface="Arial"/>
                 <a:sym typeface="Arial"/>
               </a:rPr>
-              <a:t>Наследование с ключом доступа Private: public и protected элементы базового private класса становятся private элементами производного класса.</a:t>
+              <a:t>Наследование с ключом доступа </a:t>
             </a:r>
-            <a:endParaRPr sz="1600" b="0" i="0" u="none" strike="noStrike" cap="none">
+            <a:r>
+              <a:rPr lang="ru-RU" sz="1600" b="0" i="0" u="none" strike="noStrike" cap="none" dirty="0" err="1">
+                <a:solidFill>
+                  <a:schemeClr val="dk1"/>
+                </a:solidFill>
+                <a:latin typeface="Arial"/>
+                <a:ea typeface="Arial"/>
+                <a:cs typeface="Arial"/>
+                <a:sym typeface="Arial"/>
+              </a:rPr>
+              <a:t>Private</a:t>
+            </a:r>
+            <a:r>
+              <a:rPr lang="ru-RU" sz="1600" b="0" i="0" u="none" strike="noStrike" cap="none" dirty="0">
+                <a:solidFill>
+                  <a:schemeClr val="dk1"/>
+                </a:solidFill>
+                <a:latin typeface="Arial"/>
+                <a:ea typeface="Arial"/>
+                <a:cs typeface="Arial"/>
+                <a:sym typeface="Arial"/>
+              </a:rPr>
+              <a:t>: </a:t>
+            </a:r>
+            <a:r>
+              <a:rPr lang="ru-RU" sz="1600" b="0" i="0" u="none" strike="noStrike" cap="none" dirty="0" err="1">
+                <a:solidFill>
+                  <a:schemeClr val="dk1"/>
+                </a:solidFill>
+                <a:latin typeface="Arial"/>
+                <a:ea typeface="Arial"/>
+                <a:cs typeface="Arial"/>
+                <a:sym typeface="Arial"/>
+              </a:rPr>
+              <a:t>public</a:t>
+            </a:r>
+            <a:r>
+              <a:rPr lang="ru-RU" sz="1600" b="0" i="0" u="none" strike="noStrike" cap="none" dirty="0">
+                <a:solidFill>
+                  <a:schemeClr val="dk1"/>
+                </a:solidFill>
+                <a:latin typeface="Arial"/>
+                <a:ea typeface="Arial"/>
+                <a:cs typeface="Arial"/>
+                <a:sym typeface="Arial"/>
+              </a:rPr>
+              <a:t> и </a:t>
+            </a:r>
+            <a:r>
+              <a:rPr lang="ru-RU" sz="1600" b="0" i="0" u="none" strike="noStrike" cap="none" dirty="0" err="1">
+                <a:solidFill>
+                  <a:schemeClr val="dk1"/>
+                </a:solidFill>
+                <a:latin typeface="Arial"/>
+                <a:ea typeface="Arial"/>
+                <a:cs typeface="Arial"/>
+                <a:sym typeface="Arial"/>
+              </a:rPr>
+              <a:t>protected</a:t>
+            </a:r>
+            <a:r>
+              <a:rPr lang="ru-RU" sz="1600" b="0" i="0" u="none" strike="noStrike" cap="none" dirty="0">
+                <a:solidFill>
+                  <a:schemeClr val="dk1"/>
+                </a:solidFill>
+                <a:latin typeface="Arial"/>
+                <a:ea typeface="Arial"/>
+                <a:cs typeface="Arial"/>
+                <a:sym typeface="Arial"/>
+              </a:rPr>
+              <a:t> элементы базового </a:t>
+            </a:r>
+            <a:r>
+              <a:rPr lang="ru-RU" sz="1600" b="0" i="0" u="none" strike="noStrike" cap="none" dirty="0" err="1">
+                <a:solidFill>
+                  <a:schemeClr val="dk1"/>
+                </a:solidFill>
+                <a:latin typeface="Arial"/>
+                <a:ea typeface="Arial"/>
+                <a:cs typeface="Arial"/>
+                <a:sym typeface="Arial"/>
+              </a:rPr>
+              <a:t>private</a:t>
+            </a:r>
+            <a:r>
+              <a:rPr lang="ru-RU" sz="1600" b="0" i="0" u="none" strike="noStrike" cap="none" dirty="0">
+                <a:solidFill>
+                  <a:schemeClr val="dk1"/>
+                </a:solidFill>
+                <a:latin typeface="Arial"/>
+                <a:ea typeface="Arial"/>
+                <a:cs typeface="Arial"/>
+                <a:sym typeface="Arial"/>
+              </a:rPr>
+              <a:t> класса становятся </a:t>
+            </a:r>
+            <a:r>
+              <a:rPr lang="ru-RU" sz="1600" b="0" i="0" u="none" strike="noStrike" cap="none" dirty="0" err="1">
+                <a:solidFill>
+                  <a:schemeClr val="dk1"/>
+                </a:solidFill>
+                <a:latin typeface="Arial"/>
+                <a:ea typeface="Arial"/>
+                <a:cs typeface="Arial"/>
+                <a:sym typeface="Arial"/>
+              </a:rPr>
+              <a:t>private</a:t>
+            </a:r>
+            <a:r>
+              <a:rPr lang="ru-RU" sz="1600" b="0" i="0" u="none" strike="noStrike" cap="none" dirty="0">
+                <a:solidFill>
+                  <a:schemeClr val="dk1"/>
+                </a:solidFill>
+                <a:latin typeface="Arial"/>
+                <a:ea typeface="Arial"/>
+                <a:cs typeface="Arial"/>
+                <a:sym typeface="Arial"/>
+              </a:rPr>
+              <a:t> элементами производного класса.</a:t>
+            </a:r>
+            <a:endParaRPr sz="1600" b="0" i="0" u="none" strike="noStrike" cap="none" dirty="0">
               <a:solidFill>
                 <a:schemeClr val="dk1"/>
               </a:solidFill>
@@ -31814,7 +32603,7 @@
               </a:spcAft>
               <a:buNone/>
             </a:pPr>
-            <a:endParaRPr sz="1600" b="0" i="0" u="none" strike="noStrike" cap="none">
+            <a:endParaRPr sz="1600" b="0" i="0" u="none" strike="noStrike" cap="none" dirty="0">
               <a:solidFill>
                 <a:schemeClr val="dk1"/>
               </a:solidFill>
